--- a/week 5/Slides/05-1 EMAT10007_Classes.pptx
+++ b/week 5/Slides/05-1 EMAT10007_Classes.pptx
@@ -5,25 +5,27 @@
     <p:sldMasterId id="2147483648" r:id="rId1"/>
   </p:sldMasterIdLst>
   <p:notesMasterIdLst>
-    <p:notesMasterId r:id="rId18"/>
+    <p:notesMasterId r:id="rId20"/>
   </p:notesMasterIdLst>
   <p:sldIdLst>
     <p:sldId id="256" r:id="rId2"/>
-    <p:sldId id="258" r:id="rId3"/>
-    <p:sldId id="267" r:id="rId4"/>
-    <p:sldId id="259" r:id="rId5"/>
-    <p:sldId id="260" r:id="rId6"/>
-    <p:sldId id="261" r:id="rId7"/>
-    <p:sldId id="268" r:id="rId8"/>
-    <p:sldId id="269" r:id="rId9"/>
-    <p:sldId id="278" r:id="rId10"/>
-    <p:sldId id="271" r:id="rId11"/>
-    <p:sldId id="272" r:id="rId12"/>
-    <p:sldId id="273" r:id="rId13"/>
-    <p:sldId id="274" r:id="rId14"/>
-    <p:sldId id="279" r:id="rId15"/>
-    <p:sldId id="276" r:id="rId16"/>
-    <p:sldId id="277" r:id="rId17"/>
+    <p:sldId id="281" r:id="rId3"/>
+    <p:sldId id="258" r:id="rId4"/>
+    <p:sldId id="267" r:id="rId5"/>
+    <p:sldId id="259" r:id="rId6"/>
+    <p:sldId id="260" r:id="rId7"/>
+    <p:sldId id="261" r:id="rId8"/>
+    <p:sldId id="268" r:id="rId9"/>
+    <p:sldId id="269" r:id="rId10"/>
+    <p:sldId id="278" r:id="rId11"/>
+    <p:sldId id="271" r:id="rId12"/>
+    <p:sldId id="272" r:id="rId13"/>
+    <p:sldId id="280" r:id="rId14"/>
+    <p:sldId id="273" r:id="rId15"/>
+    <p:sldId id="274" r:id="rId16"/>
+    <p:sldId id="279" r:id="rId17"/>
+    <p:sldId id="276" r:id="rId18"/>
+    <p:sldId id="277" r:id="rId19"/>
   </p:sldIdLst>
   <p:sldSz cx="13004800" cy="9753600"/>
   <p:notesSz cx="6858000" cy="9144000"/>
@@ -3478,6 +3480,400 @@
           <a:chExt cx="0" cy="0"/>
         </a:xfrm>
       </p:grpSpPr>
+      <p:sp>
+        <p:nvSpPr>
+          <p:cNvPr id="169" name="Let’s make our own class"/>
+          <p:cNvSpPr txBox="1"/>
+          <p:nvPr/>
+        </p:nvSpPr>
+        <p:spPr>
+          <a:xfrm>
+            <a:off x="1890318" y="476249"/>
+            <a:ext cx="9224164" cy="1079501"/>
+          </a:xfrm>
+          <a:prstGeom prst="rect">
+            <a:avLst/>
+          </a:prstGeom>
+          <a:ln w="12700">
+            <a:miter lim="400000"/>
+          </a:ln>
+          <a:extLst>
+            <a:ext uri="{C572A759-6A51-4108-AA02-DFA0A04FC94B}">
+              <ma14:wrappingTextBoxFlag xmlns:ma14="http://schemas.microsoft.com/office/mac/drawingml/2011/main" val="1"/>
+            </a:ext>
+          </a:extLst>
+        </p:spPr>
+        <p:txBody>
+          <a:bodyPr wrap="none" lIns="50800" tIns="50800" rIns="50800" bIns="50800" anchor="ctr">
+            <a:spAutoFit/>
+          </a:bodyPr>
+          <a:lstStyle>
+            <a:lvl1pPr>
+              <a:defRPr sz="6400"/>
+            </a:lvl1pPr>
+          </a:lstStyle>
+          <a:p>
+            <a:r>
+              <a:rPr dirty="0"/>
+              <a:t>Let’s make our own class</a:t>
+            </a:r>
+          </a:p>
+        </p:txBody>
+      </p:sp>
+      <p:sp>
+        <p:nvSpPr>
+          <p:cNvPr id="20" name="Rectangle 19"/>
+          <p:cNvSpPr/>
+          <p:nvPr/>
+        </p:nvSpPr>
+        <p:spPr>
+          <a:xfrm>
+            <a:off x="1315528" y="2018069"/>
+            <a:ext cx="13680631" cy="4708981"/>
+          </a:xfrm>
+          <a:prstGeom prst="rect">
+            <a:avLst/>
+          </a:prstGeom>
+        </p:spPr>
+        <p:txBody>
+          <a:bodyPr wrap="square">
+            <a:spAutoFit/>
+          </a:bodyPr>
+          <a:lstStyle/>
+          <a:p>
+            <a:pPr algn="l"/>
+            <a:r>
+              <a:rPr lang="en-US" sz="2400" b="1" dirty="0"/>
+              <a:t>self.</a:t>
+            </a:r>
+            <a:r>
+              <a:rPr lang="en-US" sz="2400" dirty="0">
+                <a:latin typeface="Helvetica Neue" charset="0"/>
+              </a:rPr>
+              <a:t> behaves like the pronoun </a:t>
+            </a:r>
+            <a:r>
+              <a:rPr lang="en-US" sz="2400" b="1" dirty="0" smtClean="0">
+                <a:latin typeface="Helvetica Neue" charset="0"/>
+              </a:rPr>
+              <a:t>'my’</a:t>
+            </a:r>
+          </a:p>
+          <a:p>
+            <a:pPr algn="l"/>
+            <a:r>
+              <a:rPr lang="en-US" sz="2400" b="1" dirty="0"/>
+              <a:t>('my'</a:t>
+            </a:r>
+            <a:r>
+              <a:rPr lang="en-US" sz="2400" dirty="0"/>
+              <a:t>, means someone totally different when said by someone else</a:t>
+            </a:r>
+            <a:r>
+              <a:rPr lang="en-US" sz="2400" dirty="0" smtClean="0"/>
+              <a:t>)</a:t>
+            </a:r>
+            <a:endParaRPr lang="en-US" sz="2400" b="1" dirty="0" smtClean="0">
+              <a:latin typeface="Helvetica Neue" charset="0"/>
+            </a:endParaRPr>
+          </a:p>
+          <a:p>
+            <a:pPr algn="l"/>
+            <a:endParaRPr lang="en-US" sz="2400" dirty="0">
+              <a:latin typeface="Helvetica Neue" charset="0"/>
+            </a:endParaRPr>
+          </a:p>
+          <a:p>
+            <a:pPr algn="l"/>
+            <a:r>
+              <a:rPr lang="en-US" sz="2400" dirty="0"/>
+              <a:t>Inside the </a:t>
+            </a:r>
+            <a:r>
+              <a:rPr lang="en-US" sz="2400" dirty="0" smtClean="0"/>
+              <a:t>class: </a:t>
+            </a:r>
+            <a:r>
+              <a:rPr lang="en-US" sz="2400" b="1" dirty="0" err="1" smtClean="0">
+                <a:sym typeface="Wingdings"/>
+              </a:rPr>
+              <a:t>self.num</a:t>
+            </a:r>
+            <a:r>
+              <a:rPr lang="en-US" sz="2400" b="1" dirty="0">
+                <a:sym typeface="Wingdings"/>
+              </a:rPr>
+              <a:t> </a:t>
+            </a:r>
+            <a:r>
+              <a:rPr lang="en-US" sz="2400" b="1" dirty="0" smtClean="0">
+                <a:sym typeface="Wingdings"/>
+              </a:rPr>
+              <a:t>(</a:t>
+            </a:r>
+            <a:r>
+              <a:rPr lang="en-US" sz="2400" b="1" dirty="0" smtClean="0"/>
+              <a:t>my</a:t>
+            </a:r>
+            <a:r>
+              <a:rPr lang="en-US" sz="2400" dirty="0"/>
+              <a:t> </a:t>
+            </a:r>
+            <a:r>
+              <a:rPr lang="en-US" sz="2400" dirty="0" err="1" smtClean="0"/>
+              <a:t>num</a:t>
+            </a:r>
+            <a:r>
+              <a:rPr lang="en-US" sz="2400" dirty="0" smtClean="0"/>
+              <a:t> </a:t>
+            </a:r>
+            <a:r>
+              <a:rPr lang="en-US" sz="2400" dirty="0"/>
+              <a:t>, </a:t>
+            </a:r>
+            <a:r>
+              <a:rPr lang="en-US" sz="2400" b="1" dirty="0"/>
+              <a:t>my</a:t>
+            </a:r>
+            <a:r>
+              <a:rPr lang="en-US" sz="2400" dirty="0"/>
+              <a:t> </a:t>
+            </a:r>
+            <a:r>
+              <a:rPr lang="en-US" sz="2400" dirty="0" smtClean="0"/>
+              <a:t>den)</a:t>
+            </a:r>
+            <a:endParaRPr lang="en-US" sz="2400" dirty="0"/>
+          </a:p>
+          <a:p>
+            <a:pPr algn="l"/>
+            <a:r>
+              <a:rPr lang="en-US" sz="2400" dirty="0"/>
+              <a:t>Outside of the </a:t>
+            </a:r>
+            <a:r>
+              <a:rPr lang="en-US" sz="2400" dirty="0" smtClean="0"/>
+              <a:t>class:</a:t>
+            </a:r>
+            <a:r>
+              <a:rPr lang="en-US" sz="2400" dirty="0" smtClean="0">
+                <a:sym typeface="Wingdings"/>
+              </a:rPr>
+              <a:t> </a:t>
+            </a:r>
+            <a:r>
+              <a:rPr lang="en-US" sz="2400" b="1" dirty="0" err="1" smtClean="0">
+                <a:sym typeface="Wingdings"/>
+              </a:rPr>
+              <a:t>my_fraction.num</a:t>
+            </a:r>
+            <a:endParaRPr lang="en-US" sz="2400" b="1" dirty="0" smtClean="0">
+              <a:sym typeface="Wingdings"/>
+            </a:endParaRPr>
+          </a:p>
+          <a:p>
+            <a:pPr algn="l"/>
+            <a:endParaRPr lang="en-US" sz="2400" b="1" dirty="0">
+              <a:sym typeface="Wingdings"/>
+            </a:endParaRPr>
+          </a:p>
+          <a:p>
+            <a:pPr algn="l"/>
+            <a:endParaRPr lang="en-US" sz="2400" b="1" dirty="0" smtClean="0">
+              <a:sym typeface="Wingdings"/>
+            </a:endParaRPr>
+          </a:p>
+          <a:p>
+            <a:pPr algn="l"/>
+            <a:endParaRPr lang="en-US" sz="2400" b="1" dirty="0" smtClean="0">
+              <a:sym typeface="Wingdings"/>
+            </a:endParaRPr>
+          </a:p>
+          <a:p>
+            <a:pPr algn="l"/>
+            <a:endParaRPr lang="en-US" sz="2400" b="1" dirty="0" smtClean="0"/>
+          </a:p>
+          <a:p>
+            <a:pPr algn="l"/>
+            <a:endParaRPr lang="en-US" sz="2800" dirty="0" smtClean="0">
+              <a:latin typeface="Helvetica Neue" charset="0"/>
+            </a:endParaRPr>
+          </a:p>
+          <a:p>
+            <a:pPr marL="457200" indent="-457200" algn="l">
+              <a:buFont typeface="Arial" charset="0"/>
+              <a:buChar char="•"/>
+            </a:pPr>
+            <a:endParaRPr lang="en-US" sz="2800" dirty="0" smtClean="0">
+              <a:latin typeface="Helvetica Neue" charset="0"/>
+            </a:endParaRPr>
+          </a:p>
+          <a:p>
+            <a:pPr marL="457200" indent="-457200" algn="l">
+              <a:buFont typeface="Arial" charset="0"/>
+              <a:buChar char="•"/>
+            </a:pPr>
+            <a:endParaRPr lang="en-US" sz="2800" dirty="0"/>
+          </a:p>
+        </p:txBody>
+      </p:sp>
+      <p:pic>
+        <p:nvPicPr>
+          <p:cNvPr id="2" name="Picture 1"/>
+          <p:cNvPicPr>
+            <a:picLocks noChangeAspect="1"/>
+          </p:cNvPicPr>
+          <p:nvPr/>
+        </p:nvPicPr>
+        <p:blipFill>
+          <a:blip r:embed="rId3"/>
+          <a:stretch>
+            <a:fillRect/>
+          </a:stretch>
+        </p:blipFill>
+        <p:spPr>
+          <a:xfrm>
+            <a:off x="3194312" y="4582324"/>
+            <a:ext cx="5571728" cy="2936139"/>
+          </a:xfrm>
+          <a:prstGeom prst="rect">
+            <a:avLst/>
+          </a:prstGeom>
+          <a:ln>
+            <a:solidFill>
+              <a:schemeClr val="tx1"/>
+            </a:solidFill>
+          </a:ln>
+        </p:spPr>
+      </p:pic>
+      <p:sp>
+        <p:nvSpPr>
+          <p:cNvPr id="3" name="TextBox 2"/>
+          <p:cNvSpPr txBox="1"/>
+          <p:nvPr/>
+        </p:nvSpPr>
+        <p:spPr>
+          <a:xfrm>
+            <a:off x="2157984" y="7719020"/>
+            <a:ext cx="2743200" cy="533479"/>
+          </a:xfrm>
+          <a:prstGeom prst="rect">
+            <a:avLst/>
+          </a:prstGeom>
+          <a:noFill/>
+          <a:ln w="12700" cap="flat">
+            <a:noFill/>
+            <a:miter lim="400000"/>
+          </a:ln>
+          <a:effectLst/>
+          <a:sp3d/>
+        </p:spPr>
+        <p:style>
+          <a:lnRef idx="0">
+            <a:scrgbClr r="0" g="0" b="0"/>
+          </a:lnRef>
+          <a:fillRef idx="0">
+            <a:scrgbClr r="0" g="0" b="0"/>
+          </a:fillRef>
+          <a:effectRef idx="0">
+            <a:scrgbClr r="0" g="0" b="0"/>
+          </a:effectRef>
+          <a:fontRef idx="none"/>
+        </p:style>
+        <p:txBody>
+          <a:bodyPr rot="0" spcFirstLastPara="1" vertOverflow="overflow" horzOverflow="overflow" vert="horz" wrap="square" lIns="50800" tIns="50800" rIns="50800" bIns="50800" numCol="1" spcCol="38100" rtlCol="0" anchor="ctr">
+            <a:spAutoFit/>
+          </a:bodyPr>
+          <a:lstStyle/>
+          <a:p>
+            <a:pPr marL="0" marR="0" indent="0" algn="ctr" defTabSz="584200" rtl="0" fontAlgn="auto" latinLnBrk="0" hangingPunct="0">
+              <a:lnSpc>
+                <a:spcPct val="100000"/>
+              </a:lnSpc>
+              <a:spcBef>
+                <a:spcPts val="0"/>
+              </a:spcBef>
+              <a:spcAft>
+                <a:spcPts val="0"/>
+              </a:spcAft>
+              <a:buClrTx/>
+              <a:buSzTx/>
+              <a:buFontTx/>
+              <a:buNone/>
+              <a:tabLst/>
+            </a:pPr>
+            <a:r>
+              <a:rPr kumimoji="0" lang="en-US" sz="2800" b="1" i="0" u="none" strike="noStrike" cap="none" spc="0" normalizeH="0" baseline="0" dirty="0" smtClean="0">
+                <a:ln>
+                  <a:noFill/>
+                </a:ln>
+                <a:solidFill>
+                  <a:srgbClr val="000000"/>
+                </a:solidFill>
+                <a:effectLst/>
+                <a:uFillTx/>
+                <a:latin typeface="+mn-lt"/>
+                <a:ea typeface="+mn-ea"/>
+                <a:cs typeface="+mn-cs"/>
+                <a:sym typeface="Helvetica Light"/>
+              </a:rPr>
+              <a:t>1</a:t>
+            </a:r>
+            <a:endParaRPr kumimoji="0" lang="en-US" sz="2800" b="1" i="0" u="none" strike="noStrike" cap="none" spc="0" normalizeH="0" baseline="0" dirty="0">
+              <a:ln>
+                <a:noFill/>
+              </a:ln>
+              <a:solidFill>
+                <a:srgbClr val="000000"/>
+              </a:solidFill>
+              <a:effectLst/>
+              <a:uFillTx/>
+              <a:latin typeface="+mn-lt"/>
+              <a:ea typeface="+mn-ea"/>
+              <a:cs typeface="+mn-cs"/>
+              <a:sym typeface="Helvetica Light"/>
+            </a:endParaRPr>
+          </a:p>
+        </p:txBody>
+      </p:sp>
+    </p:spTree>
+    <p:extLst>
+      <p:ext uri="{BB962C8B-B14F-4D97-AF65-F5344CB8AC3E}">
+        <p14:creationId xmlns:p14="http://schemas.microsoft.com/office/powerpoint/2010/main" val="1794601136"/>
+      </p:ext>
+    </p:extLst>
+  </p:cSld>
+  <p:clrMapOvr>
+    <a:masterClrMapping/>
+  </p:clrMapOvr>
+  <p:transition spd="med"/>
+  <p:timing>
+    <p:tnLst>
+      <p:par>
+        <p:cTn id="1" dur="indefinite" restart="never" fill="hold" nodeType="tmRoot"/>
+      </p:par>
+    </p:tnLst>
+  </p:timing>
+</p:sld>
+</file>
+
+<file path=ppt/slides/slide11.xml><?xml version="1.0" encoding="utf-8"?>
+<p:sld xmlns:a="http://schemas.openxmlformats.org/drawingml/2006/main" xmlns:r="http://schemas.openxmlformats.org/officeDocument/2006/relationships" xmlns:p="http://schemas.openxmlformats.org/presentationml/2006/main">
+  <p:cSld>
+    <p:spTree>
+      <p:nvGrpSpPr>
+        <p:cNvPr id="1" name=""/>
+        <p:cNvGrpSpPr/>
+        <p:nvPr/>
+      </p:nvGrpSpPr>
+      <p:grpSpPr>
+        <a:xfrm>
+          <a:off x="0" y="0"/>
+          <a:ext cx="0" cy="0"/>
+          <a:chOff x="0" y="0"/>
+          <a:chExt cx="0" cy="0"/>
+        </a:xfrm>
+      </p:grpSpPr>
       <p:pic>
         <p:nvPicPr>
           <p:cNvPr id="3" name="Picture 2"/>
@@ -4010,7 +4406,7 @@
 </p:sld>
 </file>
 
-<file path=ppt/slides/slide11.xml><?xml version="1.0" encoding="utf-8"?>
+<file path=ppt/slides/slide12.xml><?xml version="1.0" encoding="utf-8"?>
 <p:sld xmlns:a="http://schemas.openxmlformats.org/drawingml/2006/main" xmlns:r="http://schemas.openxmlformats.org/officeDocument/2006/relationships" xmlns:p="http://schemas.openxmlformats.org/presentationml/2006/main">
   <p:cSld>
     <p:spTree>
@@ -4472,7 +4868,209 @@
 </p:sld>
 </file>
 
-<file path=ppt/slides/slide12.xml><?xml version="1.0" encoding="utf-8"?>
+<file path=ppt/slides/slide13.xml><?xml version="1.0" encoding="utf-8"?>
+<p:sld xmlns:a="http://schemas.openxmlformats.org/drawingml/2006/main" xmlns:r="http://schemas.openxmlformats.org/officeDocument/2006/relationships" xmlns:p="http://schemas.openxmlformats.org/presentationml/2006/main">
+  <p:cSld>
+    <p:spTree>
+      <p:nvGrpSpPr>
+        <p:cNvPr id="1" name=""/>
+        <p:cNvGrpSpPr/>
+        <p:nvPr/>
+      </p:nvGrpSpPr>
+      <p:grpSpPr>
+        <a:xfrm>
+          <a:off x="0" y="0"/>
+          <a:ext cx="0" cy="0"/>
+          <a:chOff x="0" y="0"/>
+          <a:chExt cx="0" cy="0"/>
+        </a:xfrm>
+      </p:grpSpPr>
+      <p:sp>
+        <p:nvSpPr>
+          <p:cNvPr id="119" name="Introduction to Computer Programming Lecture 7:…"/>
+          <p:cNvSpPr txBox="1">
+            <a:spLocks noGrp="1"/>
+          </p:cNvSpPr>
+          <p:nvPr>
+            <p:ph type="ctrTitle"/>
+          </p:nvPr>
+        </p:nvSpPr>
+        <p:spPr>
+          <a:xfrm>
+            <a:off x="1436624" y="2064512"/>
+            <a:ext cx="10464800" cy="3302000"/>
+          </a:xfrm>
+          <a:prstGeom prst="rect">
+            <a:avLst/>
+          </a:prstGeom>
+        </p:spPr>
+        <p:txBody>
+          <a:bodyPr/>
+          <a:lstStyle/>
+          <a:p>
+            <a:pPr defTabSz="303783">
+              <a:defRPr sz="4160"/>
+            </a:pPr>
+            <a:r>
+              <a:rPr dirty="0"/>
+              <a:t>Introduction to Computer Programming Lecture </a:t>
+            </a:r>
+            <a:r>
+              <a:rPr lang="en-GB" dirty="0" smtClean="0"/>
+              <a:t>5.1.b</a:t>
+            </a:r>
+            <a:r>
+              <a:rPr dirty="0" smtClean="0"/>
+              <a:t>:</a:t>
+            </a:r>
+            <a:endParaRPr dirty="0"/>
+          </a:p>
+          <a:p>
+            <a:pPr defTabSz="303783">
+              <a:defRPr sz="4160"/>
+            </a:pPr>
+            <a:r>
+              <a:rPr dirty="0"/>
+              <a:t> </a:t>
+            </a:r>
+          </a:p>
+          <a:p>
+            <a:pPr defTabSz="303783">
+              <a:defRPr sz="4160" b="1">
+                <a:latin typeface="Helvetica"/>
+                <a:ea typeface="Helvetica"/>
+                <a:cs typeface="Helvetica"/>
+                <a:sym typeface="Helvetica"/>
+              </a:defRPr>
+            </a:pPr>
+            <a:r>
+              <a:rPr dirty="0"/>
+              <a:t>Classes in </a:t>
+            </a:r>
+            <a:r>
+              <a:rPr dirty="0" smtClean="0"/>
+              <a:t>Python</a:t>
+            </a:r>
+            <a:r>
+              <a:rPr lang="en-GB" dirty="0" smtClean="0"/>
+              <a:t>: </a:t>
+            </a:r>
+            <a:br>
+              <a:rPr lang="en-GB" dirty="0" smtClean="0"/>
+            </a:br>
+            <a:r>
+              <a:rPr lang="en-GB" dirty="0" smtClean="0"/>
+              <a:t>Redefining Built-in Functions</a:t>
+            </a:r>
+            <a:endParaRPr dirty="0"/>
+          </a:p>
+        </p:txBody>
+      </p:sp>
+      <p:sp>
+        <p:nvSpPr>
+          <p:cNvPr id="120" name="Department of Engineering Mathematics"/>
+          <p:cNvSpPr txBox="1"/>
+          <p:nvPr/>
+        </p:nvSpPr>
+        <p:spPr>
+          <a:xfrm>
+            <a:off x="1436624" y="6585712"/>
+            <a:ext cx="10464800" cy="1130300"/>
+          </a:xfrm>
+          <a:prstGeom prst="rect">
+            <a:avLst/>
+          </a:prstGeom>
+          <a:ln w="12700">
+            <a:miter lim="400000"/>
+          </a:ln>
+          <a:extLst>
+            <a:ext uri="{C572A759-6A51-4108-AA02-DFA0A04FC94B}">
+              <ma14:wrappingTextBoxFlag xmlns:ma14="http://schemas.microsoft.com/office/mac/drawingml/2011/main" val="1"/>
+            </a:ext>
+          </a:extLst>
+        </p:spPr>
+        <p:txBody>
+          <a:bodyPr lIns="50800" tIns="50800" rIns="50800" bIns="50800">
+            <a:normAutofit/>
+          </a:bodyPr>
+          <a:lstStyle/>
+          <a:p>
+            <a:pPr defTabSz="315468">
+              <a:defRPr sz="2268"/>
+            </a:pPr>
+            <a:r>
+              <a:t>Department of Engineering Mathematics</a:t>
+            </a:r>
+          </a:p>
+          <a:p>
+            <a:pPr defTabSz="315468">
+              <a:defRPr sz="2268"/>
+            </a:pPr>
+            <a:endParaRPr/>
+          </a:p>
+        </p:txBody>
+      </p:sp>
+      <p:sp>
+        <p:nvSpPr>
+          <p:cNvPr id="122" name="Helmut Hauser"/>
+          <p:cNvSpPr txBox="1"/>
+          <p:nvPr/>
+        </p:nvSpPr>
+        <p:spPr>
+          <a:xfrm>
+            <a:off x="1436624" y="6020562"/>
+            <a:ext cx="10464800" cy="1130300"/>
+          </a:xfrm>
+          <a:prstGeom prst="rect">
+            <a:avLst/>
+          </a:prstGeom>
+          <a:ln w="12700">
+            <a:miter lim="400000"/>
+          </a:ln>
+          <a:extLst>
+            <a:ext uri="{C572A759-6A51-4108-AA02-DFA0A04FC94B}">
+              <ma14:wrappingTextBoxFlag xmlns:ma14="http://schemas.microsoft.com/office/mac/drawingml/2011/main" val="1"/>
+            </a:ext>
+          </a:extLst>
+        </p:spPr>
+        <p:txBody>
+          <a:bodyPr lIns="50800" tIns="50800" rIns="50800" bIns="50800">
+            <a:normAutofit/>
+          </a:bodyPr>
+          <a:lstStyle/>
+          <a:p>
+            <a:pPr defTabSz="315468">
+              <a:defRPr sz="3294"/>
+            </a:pPr>
+            <a:r>
+              <a:rPr lang="en-GB" dirty="0" smtClean="0"/>
+              <a:t>Hemma Philamore</a:t>
+            </a:r>
+            <a:endParaRPr dirty="0"/>
+          </a:p>
+          <a:p>
+            <a:pPr defTabSz="315468">
+              <a:defRPr sz="1728"/>
+            </a:pPr>
+            <a:endParaRPr dirty="0"/>
+          </a:p>
+        </p:txBody>
+      </p:sp>
+    </p:spTree>
+    <p:extLst>
+      <p:ext uri="{BB962C8B-B14F-4D97-AF65-F5344CB8AC3E}">
+        <p14:creationId xmlns:p14="http://schemas.microsoft.com/office/powerpoint/2010/main" val="35818094"/>
+      </p:ext>
+    </p:extLst>
+  </p:cSld>
+  <p:clrMapOvr>
+    <a:masterClrMapping/>
+  </p:clrMapOvr>
+  <p:transition spd="med"/>
+</p:sld>
+</file>
+
+<file path=ppt/slides/slide14.xml><?xml version="1.0" encoding="utf-8"?>
 <p:sld xmlns:a="http://schemas.openxmlformats.org/drawingml/2006/main" xmlns:r="http://schemas.openxmlformats.org/officeDocument/2006/relationships" xmlns:p="http://schemas.openxmlformats.org/presentationml/2006/main">
   <p:cSld>
     <p:spTree>
@@ -5302,7 +5900,7 @@
 </p:sld>
 </file>
 
-<file path=ppt/slides/slide13.xml><?xml version="1.0" encoding="utf-8"?>
+<file path=ppt/slides/slide15.xml><?xml version="1.0" encoding="utf-8"?>
 <p:sld xmlns:a="http://schemas.openxmlformats.org/drawingml/2006/main" xmlns:r="http://schemas.openxmlformats.org/officeDocument/2006/relationships" xmlns:p="http://schemas.openxmlformats.org/presentationml/2006/main">
   <p:cSld>
     <p:spTree>
@@ -5665,7 +6263,7 @@
 </p:sld>
 </file>
 
-<file path=ppt/slides/slide14.xml><?xml version="1.0" encoding="utf-8"?>
+<file path=ppt/slides/slide16.xml><?xml version="1.0" encoding="utf-8"?>
 <p:sld xmlns:a="http://schemas.openxmlformats.org/drawingml/2006/main" xmlns:r="http://schemas.openxmlformats.org/officeDocument/2006/relationships" xmlns:p="http://schemas.openxmlformats.org/presentationml/2006/main">
   <p:cSld>
     <p:spTree>
@@ -6405,21 +7003,8 @@
                   <a:schemeClr val="tx1"/>
                 </a:solidFill>
               </a:rPr>
-              <a:t> built-in </a:t>
-            </a:r>
-            <a:r>
-              <a:rPr lang="en-GB" dirty="0" smtClean="0">
-                <a:solidFill>
-                  <a:schemeClr val="tx1"/>
-                </a:solidFill>
-              </a:rPr>
-              <a:t>functions for this class, when called normally</a:t>
-            </a:r>
-            <a:endParaRPr lang="en-GB" dirty="0" smtClean="0">
-              <a:solidFill>
-                <a:schemeClr val="tx1"/>
-              </a:solidFill>
-            </a:endParaRPr>
+              <a:t> built-in functions for this class, when called normally</a:t>
+            </a:r>
           </a:p>
           <a:p>
             <a:r>
@@ -6452,7 +7037,7 @@
 </p:sld>
 </file>
 
-<file path=ppt/slides/slide15.xml><?xml version="1.0" encoding="utf-8"?>
+<file path=ppt/slides/slide17.xml><?xml version="1.0" encoding="utf-8"?>
 <p:sld xmlns:a="http://schemas.openxmlformats.org/drawingml/2006/main" xmlns:r="http://schemas.openxmlformats.org/officeDocument/2006/relationships" xmlns:p="http://schemas.openxmlformats.org/presentationml/2006/main">
   <p:cSld>
     <p:spTree>
@@ -6938,7 +7523,7 @@
 </p:sld>
 </file>
 
-<file path=ppt/slides/slide16.xml><?xml version="1.0" encoding="utf-8"?>
+<file path=ppt/slides/slide18.xml><?xml version="1.0" encoding="utf-8"?>
 <p:sld xmlns:a="http://schemas.openxmlformats.org/drawingml/2006/main" xmlns:r="http://schemas.openxmlformats.org/officeDocument/2006/relationships" xmlns:p="http://schemas.openxmlformats.org/presentationml/2006/main">
   <p:cSld>
     <p:spTree>
@@ -7034,6 +7619,205 @@
 </file>
 
 <file path=ppt/slides/slide2.xml><?xml version="1.0" encoding="utf-8"?>
+<p:sld xmlns:a="http://schemas.openxmlformats.org/drawingml/2006/main" xmlns:r="http://schemas.openxmlformats.org/officeDocument/2006/relationships" xmlns:p="http://schemas.openxmlformats.org/presentationml/2006/main">
+  <p:cSld>
+    <p:spTree>
+      <p:nvGrpSpPr>
+        <p:cNvPr id="1" name=""/>
+        <p:cNvGrpSpPr/>
+        <p:nvPr/>
+      </p:nvGrpSpPr>
+      <p:grpSpPr>
+        <a:xfrm>
+          <a:off x="0" y="0"/>
+          <a:ext cx="0" cy="0"/>
+          <a:chOff x="0" y="0"/>
+          <a:chExt cx="0" cy="0"/>
+        </a:xfrm>
+      </p:grpSpPr>
+      <p:sp>
+        <p:nvSpPr>
+          <p:cNvPr id="119" name="Introduction to Computer Programming Lecture 7:…"/>
+          <p:cNvSpPr txBox="1">
+            <a:spLocks noGrp="1"/>
+          </p:cNvSpPr>
+          <p:nvPr>
+            <p:ph type="ctrTitle"/>
+          </p:nvPr>
+        </p:nvSpPr>
+        <p:spPr>
+          <a:xfrm>
+            <a:off x="1436624" y="2064512"/>
+            <a:ext cx="10464800" cy="3302000"/>
+          </a:xfrm>
+          <a:prstGeom prst="rect">
+            <a:avLst/>
+          </a:prstGeom>
+        </p:spPr>
+        <p:txBody>
+          <a:bodyPr/>
+          <a:lstStyle/>
+          <a:p>
+            <a:pPr defTabSz="303783">
+              <a:defRPr sz="4160"/>
+            </a:pPr>
+            <a:r>
+              <a:rPr dirty="0"/>
+              <a:t>Introduction to Computer Programming Lecture </a:t>
+            </a:r>
+            <a:r>
+              <a:rPr lang="en-GB" dirty="0" smtClean="0"/>
+              <a:t>5.1.a</a:t>
+            </a:r>
+            <a:r>
+              <a:rPr dirty="0" smtClean="0"/>
+              <a:t>:</a:t>
+            </a:r>
+            <a:endParaRPr dirty="0"/>
+          </a:p>
+          <a:p>
+            <a:pPr defTabSz="303783">
+              <a:defRPr sz="4160"/>
+            </a:pPr>
+            <a:r>
+              <a:rPr dirty="0"/>
+              <a:t> </a:t>
+            </a:r>
+          </a:p>
+          <a:p>
+            <a:pPr defTabSz="303783">
+              <a:defRPr sz="4160" b="1">
+                <a:latin typeface="Helvetica"/>
+                <a:ea typeface="Helvetica"/>
+                <a:cs typeface="Helvetica"/>
+                <a:sym typeface="Helvetica"/>
+              </a:defRPr>
+            </a:pPr>
+            <a:r>
+              <a:rPr lang="en-GB" dirty="0" smtClean="0"/>
+              <a:t>Intro to </a:t>
+            </a:r>
+            <a:r>
+              <a:rPr dirty="0" smtClean="0"/>
+              <a:t>Classes </a:t>
+            </a:r>
+            <a:r>
+              <a:rPr dirty="0"/>
+              <a:t>in </a:t>
+            </a:r>
+            <a:r>
+              <a:rPr dirty="0" smtClean="0"/>
+              <a:t>Python</a:t>
+            </a:r>
+            <a:endParaRPr dirty="0"/>
+          </a:p>
+        </p:txBody>
+      </p:sp>
+      <p:sp>
+        <p:nvSpPr>
+          <p:cNvPr id="120" name="Department of Engineering Mathematics"/>
+          <p:cNvSpPr txBox="1"/>
+          <p:nvPr/>
+        </p:nvSpPr>
+        <p:spPr>
+          <a:xfrm>
+            <a:off x="1436624" y="6585712"/>
+            <a:ext cx="10464800" cy="1130300"/>
+          </a:xfrm>
+          <a:prstGeom prst="rect">
+            <a:avLst/>
+          </a:prstGeom>
+          <a:ln w="12700">
+            <a:miter lim="400000"/>
+          </a:ln>
+          <a:extLst>
+            <a:ext uri="{C572A759-6A51-4108-AA02-DFA0A04FC94B}">
+              <ma14:wrappingTextBoxFlag xmlns:ma14="http://schemas.microsoft.com/office/mac/drawingml/2011/main" val="1"/>
+            </a:ext>
+          </a:extLst>
+        </p:spPr>
+        <p:txBody>
+          <a:bodyPr lIns="50800" tIns="50800" rIns="50800" bIns="50800">
+            <a:normAutofit/>
+          </a:bodyPr>
+          <a:lstStyle/>
+          <a:p>
+            <a:pPr defTabSz="315468">
+              <a:defRPr sz="2268"/>
+            </a:pPr>
+            <a:r>
+              <a:t>Department of Engineering Mathematics</a:t>
+            </a:r>
+          </a:p>
+          <a:p>
+            <a:pPr defTabSz="315468">
+              <a:defRPr sz="2268"/>
+            </a:pPr>
+            <a:endParaRPr/>
+          </a:p>
+        </p:txBody>
+      </p:sp>
+      <p:sp>
+        <p:nvSpPr>
+          <p:cNvPr id="122" name="Helmut Hauser"/>
+          <p:cNvSpPr txBox="1"/>
+          <p:nvPr/>
+        </p:nvSpPr>
+        <p:spPr>
+          <a:xfrm>
+            <a:off x="1436624" y="6020562"/>
+            <a:ext cx="10464800" cy="1130300"/>
+          </a:xfrm>
+          <a:prstGeom prst="rect">
+            <a:avLst/>
+          </a:prstGeom>
+          <a:ln w="12700">
+            <a:miter lim="400000"/>
+          </a:ln>
+          <a:extLst>
+            <a:ext uri="{C572A759-6A51-4108-AA02-DFA0A04FC94B}">
+              <ma14:wrappingTextBoxFlag xmlns:ma14="http://schemas.microsoft.com/office/mac/drawingml/2011/main" val="1"/>
+            </a:ext>
+          </a:extLst>
+        </p:spPr>
+        <p:txBody>
+          <a:bodyPr lIns="50800" tIns="50800" rIns="50800" bIns="50800">
+            <a:normAutofit/>
+          </a:bodyPr>
+          <a:lstStyle/>
+          <a:p>
+            <a:pPr defTabSz="315468">
+              <a:defRPr sz="3294"/>
+            </a:pPr>
+            <a:r>
+              <a:rPr lang="en-GB" dirty="0" smtClean="0"/>
+              <a:t>Hemma Philamore</a:t>
+            </a:r>
+            <a:endParaRPr dirty="0"/>
+          </a:p>
+          <a:p>
+            <a:pPr defTabSz="315468">
+              <a:defRPr sz="1728"/>
+            </a:pPr>
+            <a:endParaRPr dirty="0"/>
+          </a:p>
+        </p:txBody>
+      </p:sp>
+    </p:spTree>
+    <p:extLst>
+      <p:ext uri="{BB962C8B-B14F-4D97-AF65-F5344CB8AC3E}">
+        <p14:creationId xmlns:p14="http://schemas.microsoft.com/office/powerpoint/2010/main" val="685357215"/>
+      </p:ext>
+    </p:extLst>
+  </p:cSld>
+  <p:clrMapOvr>
+    <a:masterClrMapping/>
+  </p:clrMapOvr>
+  <p:transition spd="med"/>
+</p:sld>
+</file>
+
+<file path=ppt/slides/slide3.xml><?xml version="1.0" encoding="utf-8"?>
 <p:sld xmlns:a="http://schemas.openxmlformats.org/drawingml/2006/main" xmlns:r="http://schemas.openxmlformats.org/officeDocument/2006/relationships" xmlns:p="http://schemas.openxmlformats.org/presentationml/2006/main">
   <p:cSld>
     <p:spTree>
@@ -7894,7 +8678,7 @@
 </p:sld>
 </file>
 
-<file path=ppt/slides/slide3.xml><?xml version="1.0" encoding="utf-8"?>
+<file path=ppt/slides/slide4.xml><?xml version="1.0" encoding="utf-8"?>
 <p:sld xmlns:a="http://schemas.openxmlformats.org/drawingml/2006/main" xmlns:r="http://schemas.openxmlformats.org/officeDocument/2006/relationships" xmlns:p="http://schemas.openxmlformats.org/presentationml/2006/main">
   <p:cSld>
     <p:spTree>
@@ -9408,7 +10192,7 @@
 </p:sld>
 </file>
 
-<file path=ppt/slides/slide4.xml><?xml version="1.0" encoding="utf-8"?>
+<file path=ppt/slides/slide5.xml><?xml version="1.0" encoding="utf-8"?>
 <p:sld xmlns:a="http://schemas.openxmlformats.org/drawingml/2006/main" xmlns:r="http://schemas.openxmlformats.org/officeDocument/2006/relationships" xmlns:p="http://schemas.openxmlformats.org/presentationml/2006/main">
   <p:cSld>
     <p:spTree>
@@ -10321,7 +11105,7 @@
 </p:sld>
 </file>
 
-<file path=ppt/slides/slide5.xml><?xml version="1.0" encoding="utf-8"?>
+<file path=ppt/slides/slide6.xml><?xml version="1.0" encoding="utf-8"?>
 <p:sld xmlns:a="http://schemas.openxmlformats.org/drawingml/2006/main" xmlns:r="http://schemas.openxmlformats.org/officeDocument/2006/relationships" xmlns:p="http://schemas.openxmlformats.org/presentationml/2006/main">
   <p:cSld>
     <p:spTree>
@@ -10927,7 +11711,7 @@
         <p:dissolve/>
       </p:transition>
     </mc:Choice>
-    <mc:Fallback xmlns:a14="http://schemas.microsoft.com/office/drawing/2010/main" xmlns:m="http://schemas.openxmlformats.org/officeDocument/2006/math" xmlns="">
+    <mc:Fallback xmlns="" xmlns:m="http://schemas.openxmlformats.org/officeDocument/2006/math" xmlns:a14="http://schemas.microsoft.com/office/drawing/2010/main">
       <p:transition spd="slow">
         <p:fade/>
       </p:transition>
@@ -11194,7 +11978,7 @@
 </p:sld>
 </file>
 
-<file path=ppt/slides/slide6.xml><?xml version="1.0" encoding="utf-8"?>
+<file path=ppt/slides/slide7.xml><?xml version="1.0" encoding="utf-8"?>
 <p:sld xmlns:a="http://schemas.openxmlformats.org/drawingml/2006/main" xmlns:r="http://schemas.openxmlformats.org/officeDocument/2006/relationships" xmlns:p="http://schemas.openxmlformats.org/presentationml/2006/main">
   <p:cSld>
     <p:spTree>
@@ -12218,7 +13002,7 @@
 </p:sld>
 </file>
 
-<file path=ppt/slides/slide7.xml><?xml version="1.0" encoding="utf-8"?>
+<file path=ppt/slides/slide8.xml><?xml version="1.0" encoding="utf-8"?>
 <p:sld xmlns:a="http://schemas.openxmlformats.org/drawingml/2006/main" xmlns:r="http://schemas.openxmlformats.org/officeDocument/2006/relationships" xmlns:p="http://schemas.openxmlformats.org/presentationml/2006/main">
   <p:cSld>
     <p:spTree>
@@ -13028,7 +13812,7 @@
 </p:sld>
 </file>
 
-<file path=ppt/slides/slide8.xml><?xml version="1.0" encoding="utf-8"?>
+<file path=ppt/slides/slide9.xml><?xml version="1.0" encoding="utf-8"?>
 <p:sld xmlns:a="http://schemas.openxmlformats.org/drawingml/2006/main" xmlns:r="http://schemas.openxmlformats.org/officeDocument/2006/relationships" xmlns:p="http://schemas.openxmlformats.org/presentationml/2006/main">
   <p:cSld>
     <p:spTree>
@@ -13948,400 +14732,6 @@
     <p:extLst>
       <p:ext uri="{BB962C8B-B14F-4D97-AF65-F5344CB8AC3E}">
         <p14:creationId xmlns:p14="http://schemas.microsoft.com/office/powerpoint/2010/main" val="88177916"/>
-      </p:ext>
-    </p:extLst>
-  </p:cSld>
-  <p:clrMapOvr>
-    <a:masterClrMapping/>
-  </p:clrMapOvr>
-  <p:transition spd="med"/>
-  <p:timing>
-    <p:tnLst>
-      <p:par>
-        <p:cTn id="1" dur="indefinite" restart="never" fill="hold" nodeType="tmRoot"/>
-      </p:par>
-    </p:tnLst>
-  </p:timing>
-</p:sld>
-</file>
-
-<file path=ppt/slides/slide9.xml><?xml version="1.0" encoding="utf-8"?>
-<p:sld xmlns:a="http://schemas.openxmlformats.org/drawingml/2006/main" xmlns:r="http://schemas.openxmlformats.org/officeDocument/2006/relationships" xmlns:p="http://schemas.openxmlformats.org/presentationml/2006/main">
-  <p:cSld>
-    <p:spTree>
-      <p:nvGrpSpPr>
-        <p:cNvPr id="1" name=""/>
-        <p:cNvGrpSpPr/>
-        <p:nvPr/>
-      </p:nvGrpSpPr>
-      <p:grpSpPr>
-        <a:xfrm>
-          <a:off x="0" y="0"/>
-          <a:ext cx="0" cy="0"/>
-          <a:chOff x="0" y="0"/>
-          <a:chExt cx="0" cy="0"/>
-        </a:xfrm>
-      </p:grpSpPr>
-      <p:sp>
-        <p:nvSpPr>
-          <p:cNvPr id="169" name="Let’s make our own class"/>
-          <p:cNvSpPr txBox="1"/>
-          <p:nvPr/>
-        </p:nvSpPr>
-        <p:spPr>
-          <a:xfrm>
-            <a:off x="1890318" y="476249"/>
-            <a:ext cx="9224164" cy="1079501"/>
-          </a:xfrm>
-          <a:prstGeom prst="rect">
-            <a:avLst/>
-          </a:prstGeom>
-          <a:ln w="12700">
-            <a:miter lim="400000"/>
-          </a:ln>
-          <a:extLst>
-            <a:ext uri="{C572A759-6A51-4108-AA02-DFA0A04FC94B}">
-              <ma14:wrappingTextBoxFlag xmlns:ma14="http://schemas.microsoft.com/office/mac/drawingml/2011/main" val="1"/>
-            </a:ext>
-          </a:extLst>
-        </p:spPr>
-        <p:txBody>
-          <a:bodyPr wrap="none" lIns="50800" tIns="50800" rIns="50800" bIns="50800" anchor="ctr">
-            <a:spAutoFit/>
-          </a:bodyPr>
-          <a:lstStyle>
-            <a:lvl1pPr>
-              <a:defRPr sz="6400"/>
-            </a:lvl1pPr>
-          </a:lstStyle>
-          <a:p>
-            <a:r>
-              <a:rPr dirty="0"/>
-              <a:t>Let’s make our own class</a:t>
-            </a:r>
-          </a:p>
-        </p:txBody>
-      </p:sp>
-      <p:sp>
-        <p:nvSpPr>
-          <p:cNvPr id="20" name="Rectangle 19"/>
-          <p:cNvSpPr/>
-          <p:nvPr/>
-        </p:nvSpPr>
-        <p:spPr>
-          <a:xfrm>
-            <a:off x="1315528" y="2018069"/>
-            <a:ext cx="13680631" cy="4708981"/>
-          </a:xfrm>
-          <a:prstGeom prst="rect">
-            <a:avLst/>
-          </a:prstGeom>
-        </p:spPr>
-        <p:txBody>
-          <a:bodyPr wrap="square">
-            <a:spAutoFit/>
-          </a:bodyPr>
-          <a:lstStyle/>
-          <a:p>
-            <a:pPr algn="l"/>
-            <a:r>
-              <a:rPr lang="en-US" sz="2400" b="1" dirty="0"/>
-              <a:t>self.</a:t>
-            </a:r>
-            <a:r>
-              <a:rPr lang="en-US" sz="2400" dirty="0">
-                <a:latin typeface="Helvetica Neue" charset="0"/>
-              </a:rPr>
-              <a:t> behaves like the pronoun </a:t>
-            </a:r>
-            <a:r>
-              <a:rPr lang="en-US" sz="2400" b="1" dirty="0" smtClean="0">
-                <a:latin typeface="Helvetica Neue" charset="0"/>
-              </a:rPr>
-              <a:t>'my’</a:t>
-            </a:r>
-          </a:p>
-          <a:p>
-            <a:pPr algn="l"/>
-            <a:r>
-              <a:rPr lang="en-US" sz="2400" b="1" dirty="0"/>
-              <a:t>('my'</a:t>
-            </a:r>
-            <a:r>
-              <a:rPr lang="en-US" sz="2400" dirty="0"/>
-              <a:t>, means someone totally different when said by someone else</a:t>
-            </a:r>
-            <a:r>
-              <a:rPr lang="en-US" sz="2400" dirty="0" smtClean="0"/>
-              <a:t>)</a:t>
-            </a:r>
-            <a:endParaRPr lang="en-US" sz="2400" b="1" dirty="0" smtClean="0">
-              <a:latin typeface="Helvetica Neue" charset="0"/>
-            </a:endParaRPr>
-          </a:p>
-          <a:p>
-            <a:pPr algn="l"/>
-            <a:endParaRPr lang="en-US" sz="2400" dirty="0">
-              <a:latin typeface="Helvetica Neue" charset="0"/>
-            </a:endParaRPr>
-          </a:p>
-          <a:p>
-            <a:pPr algn="l"/>
-            <a:r>
-              <a:rPr lang="en-US" sz="2400" dirty="0"/>
-              <a:t>Inside the </a:t>
-            </a:r>
-            <a:r>
-              <a:rPr lang="en-US" sz="2400" dirty="0" smtClean="0"/>
-              <a:t>class: </a:t>
-            </a:r>
-            <a:r>
-              <a:rPr lang="en-US" sz="2400" b="1" dirty="0" err="1" smtClean="0">
-                <a:sym typeface="Wingdings"/>
-              </a:rPr>
-              <a:t>self.num</a:t>
-            </a:r>
-            <a:r>
-              <a:rPr lang="en-US" sz="2400" b="1" dirty="0">
-                <a:sym typeface="Wingdings"/>
-              </a:rPr>
-              <a:t> </a:t>
-            </a:r>
-            <a:r>
-              <a:rPr lang="en-US" sz="2400" b="1" dirty="0" smtClean="0">
-                <a:sym typeface="Wingdings"/>
-              </a:rPr>
-              <a:t>(</a:t>
-            </a:r>
-            <a:r>
-              <a:rPr lang="en-US" sz="2400" b="1" dirty="0" smtClean="0"/>
-              <a:t>my</a:t>
-            </a:r>
-            <a:r>
-              <a:rPr lang="en-US" sz="2400" dirty="0"/>
-              <a:t> </a:t>
-            </a:r>
-            <a:r>
-              <a:rPr lang="en-US" sz="2400" dirty="0" err="1" smtClean="0"/>
-              <a:t>num</a:t>
-            </a:r>
-            <a:r>
-              <a:rPr lang="en-US" sz="2400" dirty="0" smtClean="0"/>
-              <a:t> </a:t>
-            </a:r>
-            <a:r>
-              <a:rPr lang="en-US" sz="2400" dirty="0"/>
-              <a:t>, </a:t>
-            </a:r>
-            <a:r>
-              <a:rPr lang="en-US" sz="2400" b="1" dirty="0"/>
-              <a:t>my</a:t>
-            </a:r>
-            <a:r>
-              <a:rPr lang="en-US" sz="2400" dirty="0"/>
-              <a:t> </a:t>
-            </a:r>
-            <a:r>
-              <a:rPr lang="en-US" sz="2400" dirty="0" smtClean="0"/>
-              <a:t>den)</a:t>
-            </a:r>
-            <a:endParaRPr lang="en-US" sz="2400" dirty="0"/>
-          </a:p>
-          <a:p>
-            <a:pPr algn="l"/>
-            <a:r>
-              <a:rPr lang="en-US" sz="2400" dirty="0"/>
-              <a:t>Outside of the </a:t>
-            </a:r>
-            <a:r>
-              <a:rPr lang="en-US" sz="2400" dirty="0" smtClean="0"/>
-              <a:t>class:</a:t>
-            </a:r>
-            <a:r>
-              <a:rPr lang="en-US" sz="2400" dirty="0" smtClean="0">
-                <a:sym typeface="Wingdings"/>
-              </a:rPr>
-              <a:t> </a:t>
-            </a:r>
-            <a:r>
-              <a:rPr lang="en-US" sz="2400" b="1" dirty="0" err="1" smtClean="0">
-                <a:sym typeface="Wingdings"/>
-              </a:rPr>
-              <a:t>my_fraction.num</a:t>
-            </a:r>
-            <a:endParaRPr lang="en-US" sz="2400" b="1" dirty="0" smtClean="0">
-              <a:sym typeface="Wingdings"/>
-            </a:endParaRPr>
-          </a:p>
-          <a:p>
-            <a:pPr algn="l"/>
-            <a:endParaRPr lang="en-US" sz="2400" b="1" dirty="0">
-              <a:sym typeface="Wingdings"/>
-            </a:endParaRPr>
-          </a:p>
-          <a:p>
-            <a:pPr algn="l"/>
-            <a:endParaRPr lang="en-US" sz="2400" b="1" dirty="0" smtClean="0">
-              <a:sym typeface="Wingdings"/>
-            </a:endParaRPr>
-          </a:p>
-          <a:p>
-            <a:pPr algn="l"/>
-            <a:endParaRPr lang="en-US" sz="2400" b="1" dirty="0" smtClean="0">
-              <a:sym typeface="Wingdings"/>
-            </a:endParaRPr>
-          </a:p>
-          <a:p>
-            <a:pPr algn="l"/>
-            <a:endParaRPr lang="en-US" sz="2400" b="1" dirty="0" smtClean="0"/>
-          </a:p>
-          <a:p>
-            <a:pPr algn="l"/>
-            <a:endParaRPr lang="en-US" sz="2800" dirty="0" smtClean="0">
-              <a:latin typeface="Helvetica Neue" charset="0"/>
-            </a:endParaRPr>
-          </a:p>
-          <a:p>
-            <a:pPr marL="457200" indent="-457200" algn="l">
-              <a:buFont typeface="Arial" charset="0"/>
-              <a:buChar char="•"/>
-            </a:pPr>
-            <a:endParaRPr lang="en-US" sz="2800" dirty="0" smtClean="0">
-              <a:latin typeface="Helvetica Neue" charset="0"/>
-            </a:endParaRPr>
-          </a:p>
-          <a:p>
-            <a:pPr marL="457200" indent="-457200" algn="l">
-              <a:buFont typeface="Arial" charset="0"/>
-              <a:buChar char="•"/>
-            </a:pPr>
-            <a:endParaRPr lang="en-US" sz="2800" dirty="0"/>
-          </a:p>
-        </p:txBody>
-      </p:sp>
-      <p:pic>
-        <p:nvPicPr>
-          <p:cNvPr id="2" name="Picture 1"/>
-          <p:cNvPicPr>
-            <a:picLocks noChangeAspect="1"/>
-          </p:cNvPicPr>
-          <p:nvPr/>
-        </p:nvPicPr>
-        <p:blipFill>
-          <a:blip r:embed="rId3"/>
-          <a:stretch>
-            <a:fillRect/>
-          </a:stretch>
-        </p:blipFill>
-        <p:spPr>
-          <a:xfrm>
-            <a:off x="3194312" y="4582324"/>
-            <a:ext cx="5571728" cy="2936139"/>
-          </a:xfrm>
-          <a:prstGeom prst="rect">
-            <a:avLst/>
-          </a:prstGeom>
-          <a:ln>
-            <a:solidFill>
-              <a:schemeClr val="tx1"/>
-            </a:solidFill>
-          </a:ln>
-        </p:spPr>
-      </p:pic>
-      <p:sp>
-        <p:nvSpPr>
-          <p:cNvPr id="3" name="TextBox 2"/>
-          <p:cNvSpPr txBox="1"/>
-          <p:nvPr/>
-        </p:nvSpPr>
-        <p:spPr>
-          <a:xfrm>
-            <a:off x="2157984" y="7719020"/>
-            <a:ext cx="2743200" cy="533479"/>
-          </a:xfrm>
-          <a:prstGeom prst="rect">
-            <a:avLst/>
-          </a:prstGeom>
-          <a:noFill/>
-          <a:ln w="12700" cap="flat">
-            <a:noFill/>
-            <a:miter lim="400000"/>
-          </a:ln>
-          <a:effectLst/>
-          <a:sp3d/>
-        </p:spPr>
-        <p:style>
-          <a:lnRef idx="0">
-            <a:scrgbClr r="0" g="0" b="0"/>
-          </a:lnRef>
-          <a:fillRef idx="0">
-            <a:scrgbClr r="0" g="0" b="0"/>
-          </a:fillRef>
-          <a:effectRef idx="0">
-            <a:scrgbClr r="0" g="0" b="0"/>
-          </a:effectRef>
-          <a:fontRef idx="none"/>
-        </p:style>
-        <p:txBody>
-          <a:bodyPr rot="0" spcFirstLastPara="1" vertOverflow="overflow" horzOverflow="overflow" vert="horz" wrap="square" lIns="50800" tIns="50800" rIns="50800" bIns="50800" numCol="1" spcCol="38100" rtlCol="0" anchor="ctr">
-            <a:spAutoFit/>
-          </a:bodyPr>
-          <a:lstStyle/>
-          <a:p>
-            <a:pPr marL="0" marR="0" indent="0" algn="ctr" defTabSz="584200" rtl="0" fontAlgn="auto" latinLnBrk="0" hangingPunct="0">
-              <a:lnSpc>
-                <a:spcPct val="100000"/>
-              </a:lnSpc>
-              <a:spcBef>
-                <a:spcPts val="0"/>
-              </a:spcBef>
-              <a:spcAft>
-                <a:spcPts val="0"/>
-              </a:spcAft>
-              <a:buClrTx/>
-              <a:buSzTx/>
-              <a:buFontTx/>
-              <a:buNone/>
-              <a:tabLst/>
-            </a:pPr>
-            <a:r>
-              <a:rPr kumimoji="0" lang="en-US" sz="2800" b="1" i="0" u="none" strike="noStrike" cap="none" spc="0" normalizeH="0" baseline="0" dirty="0" smtClean="0">
-                <a:ln>
-                  <a:noFill/>
-                </a:ln>
-                <a:solidFill>
-                  <a:srgbClr val="000000"/>
-                </a:solidFill>
-                <a:effectLst/>
-                <a:uFillTx/>
-                <a:latin typeface="+mn-lt"/>
-                <a:ea typeface="+mn-ea"/>
-                <a:cs typeface="+mn-cs"/>
-                <a:sym typeface="Helvetica Light"/>
-              </a:rPr>
-              <a:t>1</a:t>
-            </a:r>
-            <a:endParaRPr kumimoji="0" lang="en-US" sz="2800" b="1" i="0" u="none" strike="noStrike" cap="none" spc="0" normalizeH="0" baseline="0" dirty="0">
-              <a:ln>
-                <a:noFill/>
-              </a:ln>
-              <a:solidFill>
-                <a:srgbClr val="000000"/>
-              </a:solidFill>
-              <a:effectLst/>
-              <a:uFillTx/>
-              <a:latin typeface="+mn-lt"/>
-              <a:ea typeface="+mn-ea"/>
-              <a:cs typeface="+mn-cs"/>
-              <a:sym typeface="Helvetica Light"/>
-            </a:endParaRPr>
-          </a:p>
-        </p:txBody>
-      </p:sp>
-    </p:spTree>
-    <p:extLst>
-      <p:ext uri="{BB962C8B-B14F-4D97-AF65-F5344CB8AC3E}">
-        <p14:creationId xmlns:p14="http://schemas.microsoft.com/office/powerpoint/2010/main" val="1794601136"/>
       </p:ext>
     </p:extLst>
   </p:cSld>
